--- a/PPT/Astazi la noi a coborat.pptx
+++ b/PPT/Astazi la noi a coborat.pptx
@@ -291,7 +291,7 @@
           <a:p>
             <a:fld id="{0EC32999-28E8-4B67-9E9F-20FC74A709EC}" type="datetimeFigureOut">
               <a:rPr lang="en-US" smtClean="0"/>
-              <a:t>12/7/2012</a:t>
+              <a:t>12/14/2012</a:t>
             </a:fld>
             <a:endParaRPr lang="en-US"/>
           </a:p>
@@ -461,7 +461,7 @@
           <a:p>
             <a:fld id="{0EC32999-28E8-4B67-9E9F-20FC74A709EC}" type="datetimeFigureOut">
               <a:rPr lang="en-US" smtClean="0"/>
-              <a:t>12/7/2012</a:t>
+              <a:t>12/14/2012</a:t>
             </a:fld>
             <a:endParaRPr lang="en-US"/>
           </a:p>
@@ -641,7 +641,7 @@
           <a:p>
             <a:fld id="{0EC32999-28E8-4B67-9E9F-20FC74A709EC}" type="datetimeFigureOut">
               <a:rPr lang="en-US" smtClean="0"/>
-              <a:t>12/7/2012</a:t>
+              <a:t>12/14/2012</a:t>
             </a:fld>
             <a:endParaRPr lang="en-US"/>
           </a:p>
@@ -811,7 +811,7 @@
           <a:p>
             <a:fld id="{0EC32999-28E8-4B67-9E9F-20FC74A709EC}" type="datetimeFigureOut">
               <a:rPr lang="en-US" smtClean="0"/>
-              <a:t>12/7/2012</a:t>
+              <a:t>12/14/2012</a:t>
             </a:fld>
             <a:endParaRPr lang="en-US"/>
           </a:p>
@@ -1057,7 +1057,7 @@
           <a:p>
             <a:fld id="{0EC32999-28E8-4B67-9E9F-20FC74A709EC}" type="datetimeFigureOut">
               <a:rPr lang="en-US" smtClean="0"/>
-              <a:t>12/7/2012</a:t>
+              <a:t>12/14/2012</a:t>
             </a:fld>
             <a:endParaRPr lang="en-US"/>
           </a:p>
@@ -1345,7 +1345,7 @@
           <a:p>
             <a:fld id="{0EC32999-28E8-4B67-9E9F-20FC74A709EC}" type="datetimeFigureOut">
               <a:rPr lang="en-US" smtClean="0"/>
-              <a:t>12/7/2012</a:t>
+              <a:t>12/14/2012</a:t>
             </a:fld>
             <a:endParaRPr lang="en-US"/>
           </a:p>
@@ -1767,7 +1767,7 @@
           <a:p>
             <a:fld id="{0EC32999-28E8-4B67-9E9F-20FC74A709EC}" type="datetimeFigureOut">
               <a:rPr lang="en-US" smtClean="0"/>
-              <a:t>12/7/2012</a:t>
+              <a:t>12/14/2012</a:t>
             </a:fld>
             <a:endParaRPr lang="en-US"/>
           </a:p>
@@ -1885,7 +1885,7 @@
           <a:p>
             <a:fld id="{0EC32999-28E8-4B67-9E9F-20FC74A709EC}" type="datetimeFigureOut">
               <a:rPr lang="en-US" smtClean="0"/>
-              <a:t>12/7/2012</a:t>
+              <a:t>12/14/2012</a:t>
             </a:fld>
             <a:endParaRPr lang="en-US"/>
           </a:p>
@@ -1980,7 +1980,7 @@
           <a:p>
             <a:fld id="{0EC32999-28E8-4B67-9E9F-20FC74A709EC}" type="datetimeFigureOut">
               <a:rPr lang="en-US" smtClean="0"/>
-              <a:t>12/7/2012</a:t>
+              <a:t>12/14/2012</a:t>
             </a:fld>
             <a:endParaRPr lang="en-US"/>
           </a:p>
@@ -2257,7 +2257,7 @@
           <a:p>
             <a:fld id="{0EC32999-28E8-4B67-9E9F-20FC74A709EC}" type="datetimeFigureOut">
               <a:rPr lang="en-US" smtClean="0"/>
-              <a:t>12/7/2012</a:t>
+              <a:t>12/14/2012</a:t>
             </a:fld>
             <a:endParaRPr lang="en-US"/>
           </a:p>
@@ -2510,7 +2510,7 @@
           <a:p>
             <a:fld id="{0EC32999-28E8-4B67-9E9F-20FC74A709EC}" type="datetimeFigureOut">
               <a:rPr lang="en-US" smtClean="0"/>
-              <a:t>12/7/2012</a:t>
+              <a:t>12/14/2012</a:t>
             </a:fld>
             <a:endParaRPr lang="en-US"/>
           </a:p>
@@ -2723,7 +2723,7 @@
           <a:p>
             <a:fld id="{0EC32999-28E8-4B67-9E9F-20FC74A709EC}" type="datetimeFigureOut">
               <a:rPr lang="en-US" smtClean="0"/>
-              <a:t>12/7/2012</a:t>
+              <a:t>12/14/2012</a:t>
             </a:fld>
             <a:endParaRPr lang="en-US"/>
           </a:p>
